--- a/ppt/A Combination Approach to Web User Proflling.pptx
+++ b/ppt/A Combination Approach to Web User Proflling.pptx
@@ -1,30 +1,30 @@
 
 <file path=ppt/presentation.xml><?xml version="1.0" encoding="utf-8"?>
-<p:presentation xmlns:a="http://schemas.openxmlformats.org/drawingml/2006/main" xmlns:r="http://schemas.openxmlformats.org/officeDocument/2006/relationships" xmlns:p="http://schemas.openxmlformats.org/presentationml/2006/main" saveSubsetFonts="1">
+<p:presentation xmlns:a="http://schemas.openxmlformats.org/drawingml/2006/main" xmlns:r="http://schemas.openxmlformats.org/officeDocument/2006/relationships" xmlns:p="http://schemas.openxmlformats.org/presentationml/2006/main">
   <p:sldMasterIdLst>
     <p:sldMasterId id="2147483648" r:id="rId1"/>
   </p:sldMasterIdLst>
   <p:notesMasterIdLst>
-    <p:notesMasterId r:id="rId19"/>
+    <p:notesMasterId r:id="rId9"/>
   </p:notesMasterIdLst>
   <p:sldIdLst>
-    <p:sldId id="256" r:id="rId2"/>
-    <p:sldId id="257" r:id="rId3"/>
-    <p:sldId id="261" r:id="rId4"/>
-    <p:sldId id="280" r:id="rId5"/>
-    <p:sldId id="275" r:id="rId6"/>
-    <p:sldId id="277" r:id="rId7"/>
-    <p:sldId id="278" r:id="rId8"/>
-    <p:sldId id="276" r:id="rId9"/>
-    <p:sldId id="281" r:id="rId10"/>
-    <p:sldId id="282" r:id="rId11"/>
-    <p:sldId id="283" r:id="rId12"/>
-    <p:sldId id="284" r:id="rId13"/>
-    <p:sldId id="285" r:id="rId14"/>
-    <p:sldId id="286" r:id="rId15"/>
-    <p:sldId id="287" r:id="rId16"/>
-    <p:sldId id="288" r:id="rId17"/>
-    <p:sldId id="279" r:id="rId18"/>
+    <p:sldId id="256" r:id="rId3"/>
+    <p:sldId id="257" r:id="rId4"/>
+    <p:sldId id="261" r:id="rId5"/>
+    <p:sldId id="280" r:id="rId6"/>
+    <p:sldId id="275" r:id="rId7"/>
+    <p:sldId id="277" r:id="rId8"/>
+    <p:sldId id="278" r:id="rId10"/>
+    <p:sldId id="276" r:id="rId11"/>
+    <p:sldId id="281" r:id="rId12"/>
+    <p:sldId id="282" r:id="rId13"/>
+    <p:sldId id="283" r:id="rId14"/>
+    <p:sldId id="284" r:id="rId15"/>
+    <p:sldId id="285" r:id="rId16"/>
+    <p:sldId id="286" r:id="rId17"/>
+    <p:sldId id="287" r:id="rId18"/>
+    <p:sldId id="288" r:id="rId19"/>
+    <p:sldId id="279" r:id="rId20"/>
   </p:sldIdLst>
   <p:sldSz cx="9144000" cy="6858000" type="screen4x3"/>
   <p:notesSz cx="6858000" cy="9144000"/>
@@ -208,7 +208,6 @@
           <a:p>
             <a:fld id="{CC229B38-3DB4-4024-8D4E-432B6011BCC3}" type="datetimeFigureOut">
               <a:rPr lang="zh-CN" altLang="en-US" smtClean="0"/>
-              <a:t>2017/6/23</a:t>
             </a:fld>
             <a:endParaRPr lang="zh-CN" altLang="en-US"/>
           </a:p>
@@ -275,6 +274,7 @@
               <a:rPr lang="zh-CN" altLang="en-US" smtClean="0"/>
               <a:t>单击此处编辑母版文本样式</a:t>
             </a:r>
+            <a:endParaRPr lang="zh-CN" altLang="en-US" smtClean="0"/>
           </a:p>
           <a:p>
             <a:pPr lvl="1"/>
@@ -282,6 +282,7 @@
               <a:rPr lang="zh-CN" altLang="en-US" smtClean="0"/>
               <a:t>第二级</a:t>
             </a:r>
+            <a:endParaRPr lang="zh-CN" altLang="en-US" smtClean="0"/>
           </a:p>
           <a:p>
             <a:pPr lvl="2"/>
@@ -289,6 +290,7 @@
               <a:rPr lang="zh-CN" altLang="en-US" smtClean="0"/>
               <a:t>第三级</a:t>
             </a:r>
+            <a:endParaRPr lang="zh-CN" altLang="en-US" smtClean="0"/>
           </a:p>
           <a:p>
             <a:pPr lvl="3"/>
@@ -296,6 +298,7 @@
               <a:rPr lang="zh-CN" altLang="en-US" smtClean="0"/>
               <a:t>第四级</a:t>
             </a:r>
+            <a:endParaRPr lang="zh-CN" altLang="en-US" smtClean="0"/>
           </a:p>
           <a:p>
             <a:pPr lvl="4"/>
@@ -367,18 +370,12 @@
           <a:p>
             <a:fld id="{348C2C24-9774-47F8-AE25-421CC4EA72D3}" type="slidenum">
               <a:rPr lang="zh-CN" altLang="en-US" smtClean="0"/>
-              <a:t>‹#›</a:t>
             </a:fld>
             <a:endParaRPr lang="zh-CN" altLang="en-US"/>
           </a:p>
         </p:txBody>
       </p:sp>
     </p:spTree>
-    <p:extLst>
-      <p:ext uri="{BB962C8B-B14F-4D97-AF65-F5344CB8AC3E}">
-        <p14:creationId xmlns:p14="http://schemas.microsoft.com/office/powerpoint/2010/main" val="2473845520"/>
-      </p:ext>
-    </p:extLst>
   </p:cSld>
   <p:clrMap bg1="lt1" tx1="dk1" bg2="lt2" tx2="dk2" accent1="accent1" accent2="accent2" accent3="accent3" accent4="accent4" accent5="accent5" accent6="accent6" hlink="hlink" folHlink="folHlink"/>
   <p:notesStyle>
@@ -534,7 +531,6 @@
               <a:buSzTx/>
               <a:buFontTx/>
               <a:buNone/>
-              <a:tabLst/>
               <a:defRPr/>
             </a:pPr>
             <a:r>
@@ -553,6 +549,7 @@
               <a:rPr lang="zh-CN" altLang="en-US" dirty="0" smtClean="0"/>
               <a:t>任何关系的情况下</a:t>
             </a:r>
+            <a:endParaRPr lang="zh-CN" altLang="en-US" dirty="0" smtClean="0"/>
           </a:p>
           <a:p>
             <a:endParaRPr lang="zh-CN" altLang="en-US" dirty="0"/>
@@ -576,18 +573,12 @@
           <a:p>
             <a:fld id="{348C2C24-9774-47F8-AE25-421CC4EA72D3}" type="slidenum">
               <a:rPr lang="zh-CN" altLang="en-US" smtClean="0"/>
-              <a:t>6</a:t>
             </a:fld>
             <a:endParaRPr lang="zh-CN" altLang="en-US"/>
           </a:p>
         </p:txBody>
       </p:sp>
     </p:spTree>
-    <p:extLst>
-      <p:ext uri="{BB962C8B-B14F-4D97-AF65-F5344CB8AC3E}">
-        <p14:creationId xmlns:p14="http://schemas.microsoft.com/office/powerpoint/2010/main" val="3744368053"/>
-      </p:ext>
-    </p:extLst>
   </p:cSld>
   <p:clrMapOvr>
     <a:masterClrMapping/>
@@ -776,7 +767,6 @@
           <a:p>
             <a:fld id="{530820CF-B880-4189-942D-D702A7CBA730}" type="datetimeFigureOut">
               <a:rPr lang="zh-CN" altLang="en-US" smtClean="0"/>
-              <a:t>2017/6/23</a:t>
             </a:fld>
             <a:endParaRPr lang="zh-CN" altLang="en-US"/>
           </a:p>
@@ -818,7 +808,6 @@
           <a:p>
             <a:fld id="{0C913308-F349-4B6D-A68A-DD1791B4A57B}" type="slidenum">
               <a:rPr lang="zh-CN" altLang="en-US" smtClean="0"/>
-              <a:t>‹#›</a:t>
             </a:fld>
             <a:endParaRPr lang="zh-CN" altLang="en-US"/>
           </a:p>
@@ -892,6 +881,7 @@
               <a:rPr lang="zh-CN" altLang="en-US" smtClean="0"/>
               <a:t>单击此处编辑母版文本样式</a:t>
             </a:r>
+            <a:endParaRPr lang="zh-CN" altLang="en-US" smtClean="0"/>
           </a:p>
           <a:p>
             <a:pPr lvl="1"/>
@@ -899,6 +889,7 @@
               <a:rPr lang="zh-CN" altLang="en-US" smtClean="0"/>
               <a:t>第二级</a:t>
             </a:r>
+            <a:endParaRPr lang="zh-CN" altLang="en-US" smtClean="0"/>
           </a:p>
           <a:p>
             <a:pPr lvl="2"/>
@@ -906,6 +897,7 @@
               <a:rPr lang="zh-CN" altLang="en-US" smtClean="0"/>
               <a:t>第三级</a:t>
             </a:r>
+            <a:endParaRPr lang="zh-CN" altLang="en-US" smtClean="0"/>
           </a:p>
           <a:p>
             <a:pPr lvl="3"/>
@@ -913,6 +905,7 @@
               <a:rPr lang="zh-CN" altLang="en-US" smtClean="0"/>
               <a:t>第四级</a:t>
             </a:r>
+            <a:endParaRPr lang="zh-CN" altLang="en-US" smtClean="0"/>
           </a:p>
           <a:p>
             <a:pPr lvl="4"/>
@@ -941,7 +934,6 @@
           <a:p>
             <a:fld id="{530820CF-B880-4189-942D-D702A7CBA730}" type="datetimeFigureOut">
               <a:rPr lang="zh-CN" altLang="en-US" smtClean="0"/>
-              <a:t>2017/6/23</a:t>
             </a:fld>
             <a:endParaRPr lang="zh-CN" altLang="en-US"/>
           </a:p>
@@ -983,7 +975,6 @@
           <a:p>
             <a:fld id="{0C913308-F349-4B6D-A68A-DD1791B4A57B}" type="slidenum">
               <a:rPr lang="zh-CN" altLang="en-US" smtClean="0"/>
-              <a:t>‹#›</a:t>
             </a:fld>
             <a:endParaRPr lang="zh-CN" altLang="en-US"/>
           </a:p>
@@ -1067,6 +1058,7 @@
               <a:rPr lang="zh-CN" altLang="en-US" smtClean="0"/>
               <a:t>单击此处编辑母版文本样式</a:t>
             </a:r>
+            <a:endParaRPr lang="zh-CN" altLang="en-US" smtClean="0"/>
           </a:p>
           <a:p>
             <a:pPr lvl="1"/>
@@ -1074,6 +1066,7 @@
               <a:rPr lang="zh-CN" altLang="en-US" smtClean="0"/>
               <a:t>第二级</a:t>
             </a:r>
+            <a:endParaRPr lang="zh-CN" altLang="en-US" smtClean="0"/>
           </a:p>
           <a:p>
             <a:pPr lvl="2"/>
@@ -1081,6 +1074,7 @@
               <a:rPr lang="zh-CN" altLang="en-US" smtClean="0"/>
               <a:t>第三级</a:t>
             </a:r>
+            <a:endParaRPr lang="zh-CN" altLang="en-US" smtClean="0"/>
           </a:p>
           <a:p>
             <a:pPr lvl="3"/>
@@ -1088,6 +1082,7 @@
               <a:rPr lang="zh-CN" altLang="en-US" smtClean="0"/>
               <a:t>第四级</a:t>
             </a:r>
+            <a:endParaRPr lang="zh-CN" altLang="en-US" smtClean="0"/>
           </a:p>
           <a:p>
             <a:pPr lvl="4"/>
@@ -1116,7 +1111,6 @@
           <a:p>
             <a:fld id="{530820CF-B880-4189-942D-D702A7CBA730}" type="datetimeFigureOut">
               <a:rPr lang="zh-CN" altLang="en-US" smtClean="0"/>
-              <a:t>2017/6/23</a:t>
             </a:fld>
             <a:endParaRPr lang="zh-CN" altLang="en-US"/>
           </a:p>
@@ -1158,7 +1152,6 @@
           <a:p>
             <a:fld id="{0C913308-F349-4B6D-A68A-DD1791B4A57B}" type="slidenum">
               <a:rPr lang="zh-CN" altLang="en-US" smtClean="0"/>
-              <a:t>‹#›</a:t>
             </a:fld>
             <a:endParaRPr lang="zh-CN" altLang="en-US"/>
           </a:p>
@@ -1232,6 +1225,7 @@
               <a:rPr lang="zh-CN" altLang="en-US" smtClean="0"/>
               <a:t>单击此处编辑母版文本样式</a:t>
             </a:r>
+            <a:endParaRPr lang="zh-CN" altLang="en-US" smtClean="0"/>
           </a:p>
           <a:p>
             <a:pPr lvl="1"/>
@@ -1239,6 +1233,7 @@
               <a:rPr lang="zh-CN" altLang="en-US" smtClean="0"/>
               <a:t>第二级</a:t>
             </a:r>
+            <a:endParaRPr lang="zh-CN" altLang="en-US" smtClean="0"/>
           </a:p>
           <a:p>
             <a:pPr lvl="2"/>
@@ -1246,6 +1241,7 @@
               <a:rPr lang="zh-CN" altLang="en-US" smtClean="0"/>
               <a:t>第三级</a:t>
             </a:r>
+            <a:endParaRPr lang="zh-CN" altLang="en-US" smtClean="0"/>
           </a:p>
           <a:p>
             <a:pPr lvl="3"/>
@@ -1253,6 +1249,7 @@
               <a:rPr lang="zh-CN" altLang="en-US" smtClean="0"/>
               <a:t>第四级</a:t>
             </a:r>
+            <a:endParaRPr lang="zh-CN" altLang="en-US" smtClean="0"/>
           </a:p>
           <a:p>
             <a:pPr lvl="4"/>
@@ -1281,7 +1278,6 @@
           <a:p>
             <a:fld id="{530820CF-B880-4189-942D-D702A7CBA730}" type="datetimeFigureOut">
               <a:rPr lang="zh-CN" altLang="en-US" smtClean="0"/>
-              <a:t>2017/6/23</a:t>
             </a:fld>
             <a:endParaRPr lang="zh-CN" altLang="en-US"/>
           </a:p>
@@ -1323,7 +1319,6 @@
           <a:p>
             <a:fld id="{0C913308-F349-4B6D-A68A-DD1791B4A57B}" type="slidenum">
               <a:rPr lang="zh-CN" altLang="en-US" smtClean="0"/>
-              <a:t>‹#›</a:t>
             </a:fld>
             <a:endParaRPr lang="zh-CN" altLang="en-US"/>
           </a:p>
@@ -1502,6 +1497,7 @@
               <a:rPr lang="zh-CN" altLang="en-US" smtClean="0"/>
               <a:t>单击此处编辑母版文本样式</a:t>
             </a:r>
+            <a:endParaRPr lang="zh-CN" altLang="en-US" smtClean="0"/>
           </a:p>
         </p:txBody>
       </p:sp>
@@ -1522,7 +1518,6 @@
           <a:p>
             <a:fld id="{530820CF-B880-4189-942D-D702A7CBA730}" type="datetimeFigureOut">
               <a:rPr lang="zh-CN" altLang="en-US" smtClean="0"/>
-              <a:t>2017/6/23</a:t>
             </a:fld>
             <a:endParaRPr lang="zh-CN" altLang="en-US"/>
           </a:p>
@@ -1564,7 +1559,6 @@
           <a:p>
             <a:fld id="{0C913308-F349-4B6D-A68A-DD1791B4A57B}" type="slidenum">
               <a:rPr lang="zh-CN" altLang="en-US" smtClean="0"/>
-              <a:t>‹#›</a:t>
             </a:fld>
             <a:endParaRPr lang="zh-CN" altLang="en-US"/>
           </a:p>
@@ -1671,6 +1665,7 @@
               <a:rPr lang="zh-CN" altLang="en-US" smtClean="0"/>
               <a:t>单击此处编辑母版文本样式</a:t>
             </a:r>
+            <a:endParaRPr lang="zh-CN" altLang="en-US" smtClean="0"/>
           </a:p>
           <a:p>
             <a:pPr lvl="1"/>
@@ -1678,6 +1673,7 @@
               <a:rPr lang="zh-CN" altLang="en-US" smtClean="0"/>
               <a:t>第二级</a:t>
             </a:r>
+            <a:endParaRPr lang="zh-CN" altLang="en-US" smtClean="0"/>
           </a:p>
           <a:p>
             <a:pPr lvl="2"/>
@@ -1685,6 +1681,7 @@
               <a:rPr lang="zh-CN" altLang="en-US" smtClean="0"/>
               <a:t>第三级</a:t>
             </a:r>
+            <a:endParaRPr lang="zh-CN" altLang="en-US" smtClean="0"/>
           </a:p>
           <a:p>
             <a:pPr lvl="3"/>
@@ -1692,6 +1689,7 @@
               <a:rPr lang="zh-CN" altLang="en-US" smtClean="0"/>
               <a:t>第四级</a:t>
             </a:r>
+            <a:endParaRPr lang="zh-CN" altLang="en-US" smtClean="0"/>
           </a:p>
           <a:p>
             <a:pPr lvl="4"/>
@@ -1756,6 +1754,7 @@
               <a:rPr lang="zh-CN" altLang="en-US" smtClean="0"/>
               <a:t>单击此处编辑母版文本样式</a:t>
             </a:r>
+            <a:endParaRPr lang="zh-CN" altLang="en-US" smtClean="0"/>
           </a:p>
           <a:p>
             <a:pPr lvl="1"/>
@@ -1763,6 +1762,7 @@
               <a:rPr lang="zh-CN" altLang="en-US" smtClean="0"/>
               <a:t>第二级</a:t>
             </a:r>
+            <a:endParaRPr lang="zh-CN" altLang="en-US" smtClean="0"/>
           </a:p>
           <a:p>
             <a:pPr lvl="2"/>
@@ -1770,6 +1770,7 @@
               <a:rPr lang="zh-CN" altLang="en-US" smtClean="0"/>
               <a:t>第三级</a:t>
             </a:r>
+            <a:endParaRPr lang="zh-CN" altLang="en-US" smtClean="0"/>
           </a:p>
           <a:p>
             <a:pPr lvl="3"/>
@@ -1777,6 +1778,7 @@
               <a:rPr lang="zh-CN" altLang="en-US" smtClean="0"/>
               <a:t>第四级</a:t>
             </a:r>
+            <a:endParaRPr lang="zh-CN" altLang="en-US" smtClean="0"/>
           </a:p>
           <a:p>
             <a:pPr lvl="4"/>
@@ -1805,7 +1807,6 @@
           <a:p>
             <a:fld id="{530820CF-B880-4189-942D-D702A7CBA730}" type="datetimeFigureOut">
               <a:rPr lang="zh-CN" altLang="en-US" smtClean="0"/>
-              <a:t>2017/6/23</a:t>
             </a:fld>
             <a:endParaRPr lang="zh-CN" altLang="en-US"/>
           </a:p>
@@ -1847,7 +1848,6 @@
           <a:p>
             <a:fld id="{0C913308-F349-4B6D-A68A-DD1791B4A57B}" type="slidenum">
               <a:rPr lang="zh-CN" altLang="en-US" smtClean="0"/>
-              <a:t>‹#›</a:t>
             </a:fld>
             <a:endParaRPr lang="zh-CN" altLang="en-US"/>
           </a:p>
@@ -1967,6 +1967,7 @@
               <a:rPr lang="zh-CN" altLang="en-US" smtClean="0"/>
               <a:t>单击此处编辑母版文本样式</a:t>
             </a:r>
+            <a:endParaRPr lang="zh-CN" altLang="en-US" smtClean="0"/>
           </a:p>
         </p:txBody>
       </p:sp>
@@ -2023,6 +2024,7 @@
               <a:rPr lang="zh-CN" altLang="en-US" smtClean="0"/>
               <a:t>单击此处编辑母版文本样式</a:t>
             </a:r>
+            <a:endParaRPr lang="zh-CN" altLang="en-US" smtClean="0"/>
           </a:p>
           <a:p>
             <a:pPr lvl="1"/>
@@ -2030,6 +2032,7 @@
               <a:rPr lang="zh-CN" altLang="en-US" smtClean="0"/>
               <a:t>第二级</a:t>
             </a:r>
+            <a:endParaRPr lang="zh-CN" altLang="en-US" smtClean="0"/>
           </a:p>
           <a:p>
             <a:pPr lvl="2"/>
@@ -2037,6 +2040,7 @@
               <a:rPr lang="zh-CN" altLang="en-US" smtClean="0"/>
               <a:t>第三级</a:t>
             </a:r>
+            <a:endParaRPr lang="zh-CN" altLang="en-US" smtClean="0"/>
           </a:p>
           <a:p>
             <a:pPr lvl="3"/>
@@ -2044,6 +2048,7 @@
               <a:rPr lang="zh-CN" altLang="en-US" smtClean="0"/>
               <a:t>第四级</a:t>
             </a:r>
+            <a:endParaRPr lang="zh-CN" altLang="en-US" smtClean="0"/>
           </a:p>
           <a:p>
             <a:pPr lvl="4"/>
@@ -2117,6 +2122,7 @@
               <a:rPr lang="zh-CN" altLang="en-US" smtClean="0"/>
               <a:t>单击此处编辑母版文本样式</a:t>
             </a:r>
+            <a:endParaRPr lang="zh-CN" altLang="en-US" smtClean="0"/>
           </a:p>
         </p:txBody>
       </p:sp>
@@ -2173,6 +2179,7 @@
               <a:rPr lang="zh-CN" altLang="en-US" smtClean="0"/>
               <a:t>单击此处编辑母版文本样式</a:t>
             </a:r>
+            <a:endParaRPr lang="zh-CN" altLang="en-US" smtClean="0"/>
           </a:p>
           <a:p>
             <a:pPr lvl="1"/>
@@ -2180,6 +2187,7 @@
               <a:rPr lang="zh-CN" altLang="en-US" smtClean="0"/>
               <a:t>第二级</a:t>
             </a:r>
+            <a:endParaRPr lang="zh-CN" altLang="en-US" smtClean="0"/>
           </a:p>
           <a:p>
             <a:pPr lvl="2"/>
@@ -2187,6 +2195,7 @@
               <a:rPr lang="zh-CN" altLang="en-US" smtClean="0"/>
               <a:t>第三级</a:t>
             </a:r>
+            <a:endParaRPr lang="zh-CN" altLang="en-US" smtClean="0"/>
           </a:p>
           <a:p>
             <a:pPr lvl="3"/>
@@ -2194,6 +2203,7 @@
               <a:rPr lang="zh-CN" altLang="en-US" smtClean="0"/>
               <a:t>第四级</a:t>
             </a:r>
+            <a:endParaRPr lang="zh-CN" altLang="en-US" smtClean="0"/>
           </a:p>
           <a:p>
             <a:pPr lvl="4"/>
@@ -2222,7 +2232,6 @@
           <a:p>
             <a:fld id="{530820CF-B880-4189-942D-D702A7CBA730}" type="datetimeFigureOut">
               <a:rPr lang="zh-CN" altLang="en-US" smtClean="0"/>
-              <a:t>2017/6/23</a:t>
             </a:fld>
             <a:endParaRPr lang="zh-CN" altLang="en-US"/>
           </a:p>
@@ -2264,7 +2273,6 @@
           <a:p>
             <a:fld id="{0C913308-F349-4B6D-A68A-DD1791B4A57B}" type="slidenum">
               <a:rPr lang="zh-CN" altLang="en-US" smtClean="0"/>
-              <a:t>‹#›</a:t>
             </a:fld>
             <a:endParaRPr lang="zh-CN" altLang="en-US"/>
           </a:p>
@@ -2335,7 +2343,6 @@
           <a:p>
             <a:fld id="{530820CF-B880-4189-942D-D702A7CBA730}" type="datetimeFigureOut">
               <a:rPr lang="zh-CN" altLang="en-US" smtClean="0"/>
-              <a:t>2017/6/23</a:t>
             </a:fld>
             <a:endParaRPr lang="zh-CN" altLang="en-US"/>
           </a:p>
@@ -2377,7 +2384,6 @@
           <a:p>
             <a:fld id="{0C913308-F349-4B6D-A68A-DD1791B4A57B}" type="slidenum">
               <a:rPr lang="zh-CN" altLang="en-US" smtClean="0"/>
-              <a:t>‹#›</a:t>
             </a:fld>
             <a:endParaRPr lang="zh-CN" altLang="en-US"/>
           </a:p>
@@ -2425,7 +2431,6 @@
           <a:p>
             <a:fld id="{530820CF-B880-4189-942D-D702A7CBA730}" type="datetimeFigureOut">
               <a:rPr lang="zh-CN" altLang="en-US" smtClean="0"/>
-              <a:t>2017/6/23</a:t>
             </a:fld>
             <a:endParaRPr lang="zh-CN" altLang="en-US"/>
           </a:p>
@@ -2467,7 +2472,6 @@
           <a:p>
             <a:fld id="{0C913308-F349-4B6D-A68A-DD1791B4A57B}" type="slidenum">
               <a:rPr lang="zh-CN" altLang="en-US" smtClean="0"/>
-              <a:t>‹#›</a:t>
             </a:fld>
             <a:endParaRPr lang="zh-CN" altLang="en-US"/>
           </a:p>
@@ -2583,6 +2587,7 @@
               <a:rPr lang="zh-CN" altLang="en-US" smtClean="0"/>
               <a:t>单击此处编辑母版文本样式</a:t>
             </a:r>
+            <a:endParaRPr lang="zh-CN" altLang="en-US" smtClean="0"/>
           </a:p>
           <a:p>
             <a:pPr lvl="1"/>
@@ -2590,6 +2595,7 @@
               <a:rPr lang="zh-CN" altLang="en-US" smtClean="0"/>
               <a:t>第二级</a:t>
             </a:r>
+            <a:endParaRPr lang="zh-CN" altLang="en-US" smtClean="0"/>
           </a:p>
           <a:p>
             <a:pPr lvl="2"/>
@@ -2597,6 +2603,7 @@
               <a:rPr lang="zh-CN" altLang="en-US" smtClean="0"/>
               <a:t>第三级</a:t>
             </a:r>
+            <a:endParaRPr lang="zh-CN" altLang="en-US" smtClean="0"/>
           </a:p>
           <a:p>
             <a:pPr lvl="3"/>
@@ -2604,6 +2611,7 @@
               <a:rPr lang="zh-CN" altLang="en-US" smtClean="0"/>
               <a:t>第四级</a:t>
             </a:r>
+            <a:endParaRPr lang="zh-CN" altLang="en-US" smtClean="0"/>
           </a:p>
           <a:p>
             <a:pPr lvl="4"/>
@@ -2677,6 +2685,7 @@
               <a:rPr lang="zh-CN" altLang="en-US" smtClean="0"/>
               <a:t>单击此处编辑母版文本样式</a:t>
             </a:r>
+            <a:endParaRPr lang="zh-CN" altLang="en-US" smtClean="0"/>
           </a:p>
         </p:txBody>
       </p:sp>
@@ -2697,7 +2706,6 @@
           <a:p>
             <a:fld id="{530820CF-B880-4189-942D-D702A7CBA730}" type="datetimeFigureOut">
               <a:rPr lang="zh-CN" altLang="en-US" smtClean="0"/>
-              <a:t>2017/6/23</a:t>
             </a:fld>
             <a:endParaRPr lang="zh-CN" altLang="en-US"/>
           </a:p>
@@ -2739,7 +2747,6 @@
           <a:p>
             <a:fld id="{0C913308-F349-4B6D-A68A-DD1791B4A57B}" type="slidenum">
               <a:rPr lang="zh-CN" altLang="en-US" smtClean="0"/>
-              <a:t>‹#›</a:t>
             </a:fld>
             <a:endParaRPr lang="zh-CN" altLang="en-US"/>
           </a:p>
@@ -2925,6 +2932,7 @@
               <a:rPr lang="zh-CN" altLang="en-US" smtClean="0"/>
               <a:t>单击此处编辑母版文本样式</a:t>
             </a:r>
+            <a:endParaRPr lang="zh-CN" altLang="en-US" smtClean="0"/>
           </a:p>
         </p:txBody>
       </p:sp>
@@ -2945,7 +2953,6 @@
           <a:p>
             <a:fld id="{530820CF-B880-4189-942D-D702A7CBA730}" type="datetimeFigureOut">
               <a:rPr lang="zh-CN" altLang="en-US" smtClean="0"/>
-              <a:t>2017/6/23</a:t>
             </a:fld>
             <a:endParaRPr lang="zh-CN" altLang="en-US"/>
           </a:p>
@@ -2987,7 +2994,6 @@
           <a:p>
             <a:fld id="{0C913308-F349-4B6D-A68A-DD1791B4A57B}" type="slidenum">
               <a:rPr lang="zh-CN" altLang="en-US" smtClean="0"/>
-              <a:t>‹#›</a:t>
             </a:fld>
             <a:endParaRPr lang="zh-CN" altLang="en-US"/>
           </a:p>
@@ -3086,6 +3092,7 @@
               <a:rPr lang="zh-CN" altLang="en-US" smtClean="0"/>
               <a:t>单击此处编辑母版文本样式</a:t>
             </a:r>
+            <a:endParaRPr lang="zh-CN" altLang="en-US" smtClean="0"/>
           </a:p>
           <a:p>
             <a:pPr lvl="1"/>
@@ -3093,6 +3100,7 @@
               <a:rPr lang="zh-CN" altLang="en-US" smtClean="0"/>
               <a:t>第二级</a:t>
             </a:r>
+            <a:endParaRPr lang="zh-CN" altLang="en-US" smtClean="0"/>
           </a:p>
           <a:p>
             <a:pPr lvl="2"/>
@@ -3100,6 +3108,7 @@
               <a:rPr lang="zh-CN" altLang="en-US" smtClean="0"/>
               <a:t>第三级</a:t>
             </a:r>
+            <a:endParaRPr lang="zh-CN" altLang="en-US" smtClean="0"/>
           </a:p>
           <a:p>
             <a:pPr lvl="3"/>
@@ -3107,6 +3116,7 @@
               <a:rPr lang="zh-CN" altLang="en-US" smtClean="0"/>
               <a:t>第四级</a:t>
             </a:r>
+            <a:endParaRPr lang="zh-CN" altLang="en-US" smtClean="0"/>
           </a:p>
           <a:p>
             <a:pPr lvl="4"/>
@@ -3153,7 +3163,6 @@
           <a:p>
             <a:fld id="{530820CF-B880-4189-942D-D702A7CBA730}" type="datetimeFigureOut">
               <a:rPr lang="zh-CN" altLang="en-US" smtClean="0"/>
-              <a:t>2017/6/23</a:t>
             </a:fld>
             <a:endParaRPr lang="zh-CN" altLang="en-US"/>
           </a:p>
@@ -3231,7 +3240,6 @@
           <a:p>
             <a:fld id="{0C913308-F349-4B6D-A68A-DD1791B4A57B}" type="slidenum">
               <a:rPr lang="zh-CN" altLang="en-US" smtClean="0"/>
-              <a:t>‹#›</a:t>
             </a:fld>
             <a:endParaRPr lang="zh-CN" altLang="en-US"/>
           </a:p>
@@ -3275,7 +3283,7 @@
         <a:spcBef>
           <a:spcPct val="20000"/>
         </a:spcBef>
-        <a:buFont typeface="Arial" pitchFamily="34" charset="0"/>
+        <a:buFont typeface="Arial" panose="020B0604020202020204" pitchFamily="34" charset="0"/>
         <a:buChar char="•"/>
         <a:defRPr sz="3200" kern="1200">
           <a:solidFill>
@@ -3290,7 +3298,7 @@
         <a:spcBef>
           <a:spcPct val="20000"/>
         </a:spcBef>
-        <a:buFont typeface="Arial" pitchFamily="34" charset="0"/>
+        <a:buFont typeface="Arial" panose="020B0604020202020204" pitchFamily="34" charset="0"/>
         <a:buChar char="–"/>
         <a:defRPr sz="2800" kern="1200">
           <a:solidFill>
@@ -3305,7 +3313,7 @@
         <a:spcBef>
           <a:spcPct val="20000"/>
         </a:spcBef>
-        <a:buFont typeface="Arial" pitchFamily="34" charset="0"/>
+        <a:buFont typeface="Arial" panose="020B0604020202020204" pitchFamily="34" charset="0"/>
         <a:buChar char="•"/>
         <a:defRPr sz="2400" kern="1200">
           <a:solidFill>
@@ -3320,7 +3328,7 @@
         <a:spcBef>
           <a:spcPct val="20000"/>
         </a:spcBef>
-        <a:buFont typeface="Arial" pitchFamily="34" charset="0"/>
+        <a:buFont typeface="Arial" panose="020B0604020202020204" pitchFamily="34" charset="0"/>
         <a:buChar char="–"/>
         <a:defRPr sz="2000" kern="1200">
           <a:solidFill>
@@ -3335,7 +3343,7 @@
         <a:spcBef>
           <a:spcPct val="20000"/>
         </a:spcBef>
-        <a:buFont typeface="Arial" pitchFamily="34" charset="0"/>
+        <a:buFont typeface="Arial" panose="020B0604020202020204" pitchFamily="34" charset="0"/>
         <a:buChar char="»"/>
         <a:defRPr sz="2000" kern="1200">
           <a:solidFill>
@@ -3350,7 +3358,7 @@
         <a:spcBef>
           <a:spcPct val="20000"/>
         </a:spcBef>
-        <a:buFont typeface="Arial" pitchFamily="34" charset="0"/>
+        <a:buFont typeface="Arial" panose="020B0604020202020204" pitchFamily="34" charset="0"/>
         <a:buChar char="•"/>
         <a:defRPr sz="2000" kern="1200">
           <a:solidFill>
@@ -3365,7 +3373,7 @@
         <a:spcBef>
           <a:spcPct val="20000"/>
         </a:spcBef>
-        <a:buFont typeface="Arial" pitchFamily="34" charset="0"/>
+        <a:buFont typeface="Arial" panose="020B0604020202020204" pitchFamily="34" charset="0"/>
         <a:buChar char="•"/>
         <a:defRPr sz="2000" kern="1200">
           <a:solidFill>
@@ -3380,7 +3388,7 @@
         <a:spcBef>
           <a:spcPct val="20000"/>
         </a:spcBef>
-        <a:buFont typeface="Arial" pitchFamily="34" charset="0"/>
+        <a:buFont typeface="Arial" panose="020B0604020202020204" pitchFamily="34" charset="0"/>
         <a:buChar char="•"/>
         <a:defRPr sz="2000" kern="1200">
           <a:solidFill>
@@ -3395,7 +3403,7 @@
         <a:spcBef>
           <a:spcPct val="20000"/>
         </a:spcBef>
-        <a:buFont typeface="Arial" pitchFamily="34" charset="0"/>
+        <a:buFont typeface="Arial" panose="020B0604020202020204" pitchFamily="34" charset="0"/>
         <a:buChar char="•"/>
         <a:defRPr sz="2000" kern="1200">
           <a:solidFill>
@@ -3545,13 +3553,16 @@
           </a:bodyPr>
           <a:lstStyle/>
           <a:p>
+            <a:br>
+              <a:rPr lang="en-US" altLang="zh-CN" dirty="0"/>
+            </a:br>
             <a:r>
               <a:rPr lang="en-US" altLang="zh-CN" dirty="0"/>
               <a:t>A Combination Approach to Web User </a:t>
             </a:r>
             <a:r>
               <a:rPr lang="en-US" altLang="zh-CN" dirty="0" err="1" smtClean="0"/>
-              <a:t>Proflling</a:t>
+              <a:t>Profling</a:t>
             </a:r>
             <a:r>
               <a:rPr lang="en-US" altLang="zh-CN" dirty="0" smtClean="0"/>
@@ -3560,31 +3571,15 @@
             <a:br>
               <a:rPr lang="en-US" altLang="zh-CN" dirty="0" smtClean="0"/>
             </a:br>
-            <a:r>
-              <a:rPr lang="en-US" altLang="zh-CN" dirty="0" smtClean="0"/>
-              <a:t/>
-            </a:r>
             <a:br>
               <a:rPr lang="en-US" altLang="zh-CN" dirty="0" smtClean="0"/>
             </a:br>
-            <a:r>
-              <a:rPr lang="en-US" altLang="zh-CN" dirty="0" smtClean="0"/>
-              <a:t/>
-            </a:r>
             <a:br>
               <a:rPr lang="en-US" altLang="zh-CN" dirty="0" smtClean="0"/>
             </a:br>
-            <a:r>
-              <a:rPr lang="en-US" altLang="zh-CN" dirty="0" smtClean="0"/>
-              <a:t/>
-            </a:r>
             <a:br>
               <a:rPr lang="en-US" altLang="zh-CN" dirty="0" smtClean="0"/>
             </a:br>
-            <a:r>
-              <a:rPr lang="en-US" altLang="zh-CN" dirty="0"/>
-              <a:t/>
-            </a:r>
             <a:br>
               <a:rPr lang="en-US" altLang="zh-CN" dirty="0"/>
             </a:br>
@@ -3593,11 +3588,6 @@
         </p:txBody>
       </p:sp>
     </p:spTree>
-    <p:extLst>
-      <p:ext uri="{BB962C8B-B14F-4D97-AF65-F5344CB8AC3E}">
-        <p14:creationId xmlns:p14="http://schemas.microsoft.com/office/powerpoint/2010/main" val="374302580"/>
-      </p:ext>
-    </p:extLst>
   </p:cSld>
   <p:clrMapOvr>
     <a:masterClrMapping/>
@@ -3787,7 +3777,7 @@
           <p:nvPr/>
         </p:nvPicPr>
         <p:blipFill>
-          <a:blip r:embed="rId2">
+          <a:blip r:embed="rId1">
             <a:extLst>
               <a:ext uri="{28A0092B-C50C-407E-A947-70E740481C1C}">
                 <a14:useLocalDpi xmlns:a14="http://schemas.microsoft.com/office/drawing/2010/main" val="0"/>
@@ -3843,11 +3833,6 @@
         </p:spPr>
       </p:pic>
     </p:spTree>
-    <p:extLst>
-      <p:ext uri="{BB962C8B-B14F-4D97-AF65-F5344CB8AC3E}">
-        <p14:creationId xmlns:p14="http://schemas.microsoft.com/office/powerpoint/2010/main" val="1602506167"/>
-      </p:ext>
-    </p:extLst>
   </p:cSld>
   <p:clrMapOvr>
     <a:masterClrMapping/>
@@ -3988,7 +3973,7 @@
           <p:nvPr/>
         </p:nvPicPr>
         <p:blipFill>
-          <a:blip r:embed="rId2">
+          <a:blip r:embed="rId1">
             <a:extLst>
               <a:ext uri="{28A0092B-C50C-407E-A947-70E740481C1C}">
                 <a14:useLocalDpi xmlns:a14="http://schemas.microsoft.com/office/drawing/2010/main" val="0"/>
@@ -4052,7 +4037,7 @@
           <p:nvPr/>
         </p:nvPicPr>
         <p:blipFill>
-          <a:blip r:embed="rId3">
+          <a:blip r:embed="rId2">
             <a:extLst>
               <a:ext uri="{28A0092B-C50C-407E-A947-70E740481C1C}">
                 <a14:useLocalDpi xmlns:a14="http://schemas.microsoft.com/office/drawing/2010/main" val="0"/>
@@ -4108,11 +4093,6 @@
         </p:spPr>
       </p:pic>
     </p:spTree>
-    <p:extLst>
-      <p:ext uri="{BB962C8B-B14F-4D97-AF65-F5344CB8AC3E}">
-        <p14:creationId xmlns:p14="http://schemas.microsoft.com/office/powerpoint/2010/main" val="531812533"/>
-      </p:ext>
-    </p:extLst>
   </p:cSld>
   <p:clrMapOvr>
     <a:masterClrMapping/>
@@ -4242,6 +4222,7 @@
               <a:rPr lang="zh-CN" altLang="zh-CN" dirty="0"/>
               <a:t>通过最大化目标函数来更新每个特征函数的权重。迭代持续到收敛。</a:t>
             </a:r>
+            <a:endParaRPr lang="zh-CN" altLang="zh-CN" dirty="0"/>
           </a:p>
           <a:p>
             <a:endParaRPr lang="zh-CN" altLang="en-US" dirty="0"/>
@@ -4249,11 +4230,6 @@
         </p:txBody>
       </p:sp>
     </p:spTree>
-    <p:extLst>
-      <p:ext uri="{BB962C8B-B14F-4D97-AF65-F5344CB8AC3E}">
-        <p14:creationId xmlns:p14="http://schemas.microsoft.com/office/powerpoint/2010/main" val="2405016491"/>
-      </p:ext>
-    </p:extLst>
   </p:cSld>
   <p:clrMapOvr>
     <a:masterClrMapping/>
@@ -4397,6 +4373,7 @@
               <a:rPr lang="zh-CN" altLang="zh-CN" dirty="0"/>
               <a:t>个组。</a:t>
             </a:r>
+            <a:endParaRPr lang="zh-CN" altLang="zh-CN" dirty="0"/>
           </a:p>
           <a:p>
             <a:endParaRPr lang="zh-CN" altLang="en-US" dirty="0"/>
@@ -4404,11 +4381,6 @@
         </p:txBody>
       </p:sp>
     </p:spTree>
-    <p:extLst>
-      <p:ext uri="{BB962C8B-B14F-4D97-AF65-F5344CB8AC3E}">
-        <p14:creationId xmlns:p14="http://schemas.microsoft.com/office/powerpoint/2010/main" val="76514753"/>
-      </p:ext>
-    </p:extLst>
   </p:cSld>
   <p:clrMapOvr>
     <a:masterClrMapping/>
@@ -4523,6 +4495,7 @@
               <a:rPr lang="zh-CN" altLang="zh-CN" dirty="0"/>
               <a:t>）它依赖于固定的距离度量。我们的框架受益于分配结果之间的依赖关系建模的能力。</a:t>
             </a:r>
+            <a:endParaRPr lang="zh-CN" altLang="zh-CN" dirty="0"/>
           </a:p>
           <a:p>
             <a:endParaRPr lang="zh-CN" altLang="en-US" dirty="0"/>
@@ -4530,11 +4503,6 @@
         </p:txBody>
       </p:sp>
     </p:spTree>
-    <p:extLst>
-      <p:ext uri="{BB962C8B-B14F-4D97-AF65-F5344CB8AC3E}">
-        <p14:creationId xmlns:p14="http://schemas.microsoft.com/office/powerpoint/2010/main" val="1629016238"/>
-      </p:ext>
-    </p:extLst>
   </p:cSld>
   <p:clrMapOvr>
     <a:masterClrMapping/>
@@ -4579,6 +4547,7 @@
               <a:rPr lang="zh-CN" altLang="en-US" dirty="0"/>
               <a:t>不足</a:t>
             </a:r>
+            <a:endParaRPr lang="zh-CN" altLang="en-US" dirty="0"/>
           </a:p>
         </p:txBody>
       </p:sp>
@@ -4703,11 +4672,6 @@
         </p:txBody>
       </p:sp>
     </p:spTree>
-    <p:extLst>
-      <p:ext uri="{BB962C8B-B14F-4D97-AF65-F5344CB8AC3E}">
-        <p14:creationId xmlns:p14="http://schemas.microsoft.com/office/powerpoint/2010/main" val="3420378825"/>
-      </p:ext>
-    </p:extLst>
   </p:cSld>
   <p:clrMapOvr>
     <a:masterClrMapping/>
@@ -4775,11 +4739,6 @@
         </p:txBody>
       </p:sp>
     </p:spTree>
-    <p:extLst>
-      <p:ext uri="{BB962C8B-B14F-4D97-AF65-F5344CB8AC3E}">
-        <p14:creationId xmlns:p14="http://schemas.microsoft.com/office/powerpoint/2010/main" val="3665166626"/>
-      </p:ext>
-    </p:extLst>
   </p:cSld>
   <p:clrMapOvr>
     <a:masterClrMapping/>
@@ -4832,7 +4791,7 @@
           <p:nvPr/>
         </p:nvPicPr>
         <p:blipFill>
-          <a:blip r:embed="rId2">
+          <a:blip r:embed="rId1">
             <a:extLst>
               <a:ext uri="{28A0092B-C50C-407E-A947-70E740481C1C}">
                 <a14:useLocalDpi xmlns:a14="http://schemas.microsoft.com/office/drawing/2010/main" val="0"/>
@@ -4896,7 +4855,7 @@
           <p:nvPr/>
         </p:nvPicPr>
         <p:blipFill>
-          <a:blip r:embed="rId3">
+          <a:blip r:embed="rId2">
             <a:extLst>
               <a:ext uri="{28A0092B-C50C-407E-A947-70E740481C1C}">
                 <a14:useLocalDpi xmlns:a14="http://schemas.microsoft.com/office/drawing/2010/main" val="0"/>
@@ -4960,7 +4919,7 @@
           <p:nvPr/>
         </p:nvPicPr>
         <p:blipFill>
-          <a:blip r:embed="rId4">
+          <a:blip r:embed="rId3">
             <a:extLst>
               <a:ext uri="{28A0092B-C50C-407E-A947-70E740481C1C}">
                 <a14:useLocalDpi xmlns:a14="http://schemas.microsoft.com/office/drawing/2010/main" val="0"/>
@@ -5024,7 +4983,7 @@
           <p:nvPr/>
         </p:nvPicPr>
         <p:blipFill>
-          <a:blip r:embed="rId5">
+          <a:blip r:embed="rId4">
             <a:extLst>
               <a:ext uri="{28A0092B-C50C-407E-A947-70E740481C1C}">
                 <a14:useLocalDpi xmlns:a14="http://schemas.microsoft.com/office/drawing/2010/main" val="0"/>
@@ -5088,7 +5047,7 @@
           <p:nvPr/>
         </p:nvPicPr>
         <p:blipFill>
-          <a:blip r:embed="rId6">
+          <a:blip r:embed="rId5">
             <a:extLst>
               <a:ext uri="{28A0092B-C50C-407E-A947-70E740481C1C}">
                 <a14:useLocalDpi xmlns:a14="http://schemas.microsoft.com/office/drawing/2010/main" val="0"/>
@@ -5152,7 +5111,7 @@
           <p:nvPr/>
         </p:nvPicPr>
         <p:blipFill>
-          <a:blip r:embed="rId7">
+          <a:blip r:embed="rId6">
             <a:extLst>
               <a:ext uri="{28A0092B-C50C-407E-A947-70E740481C1C}">
                 <a14:useLocalDpi xmlns:a14="http://schemas.microsoft.com/office/drawing/2010/main" val="0"/>
@@ -5216,7 +5175,7 @@
           <p:nvPr/>
         </p:nvPicPr>
         <p:blipFill>
-          <a:blip r:embed="rId8">
+          <a:blip r:embed="rId7">
             <a:extLst>
               <a:ext uri="{28A0092B-C50C-407E-A947-70E740481C1C}">
                 <a14:useLocalDpi xmlns:a14="http://schemas.microsoft.com/office/drawing/2010/main" val="0"/>
@@ -5272,11 +5231,6 @@
         </p:spPr>
       </p:pic>
     </p:spTree>
-    <p:extLst>
-      <p:ext uri="{BB962C8B-B14F-4D97-AF65-F5344CB8AC3E}">
-        <p14:creationId xmlns:p14="http://schemas.microsoft.com/office/powerpoint/2010/main" val="3424833656"/>
-      </p:ext>
-    </p:extLst>
   </p:cSld>
   <p:clrMapOvr>
     <a:masterClrMapping/>
@@ -5381,11 +5335,6 @@
         </p:txBody>
       </p:sp>
     </p:spTree>
-    <p:extLst>
-      <p:ext uri="{BB962C8B-B14F-4D97-AF65-F5344CB8AC3E}">
-        <p14:creationId xmlns:p14="http://schemas.microsoft.com/office/powerpoint/2010/main" val="3258383082"/>
-      </p:ext>
-    </p:extLst>
   </p:cSld>
   <p:clrMapOvr>
     <a:masterClrMapping/>
@@ -5441,6 +5390,7 @@
               <a:rPr lang="zh-CN" altLang="en-US" dirty="0"/>
               <a:t>定义</a:t>
             </a:r>
+            <a:endParaRPr lang="zh-CN" altLang="en-US" dirty="0"/>
           </a:p>
         </p:txBody>
       </p:sp>
@@ -5606,6 +5556,7 @@
               <a:rPr lang="en-US" altLang="zh-CN" dirty="0" smtClean="0"/>
               <a:t>}</a:t>
             </a:r>
+            <a:endParaRPr lang="en-US" altLang="zh-CN" dirty="0" smtClean="0"/>
           </a:p>
           <a:p>
             <a:r>
@@ -5665,11 +5616,6 @@
         </p:txBody>
       </p:sp>
     </p:spTree>
-    <p:extLst>
-      <p:ext uri="{BB962C8B-B14F-4D97-AF65-F5344CB8AC3E}">
-        <p14:creationId xmlns:p14="http://schemas.microsoft.com/office/powerpoint/2010/main" val="2843999966"/>
-      </p:ext>
-    </p:extLst>
   </p:cSld>
   <p:clrMapOvr>
     <a:masterClrMapping/>
@@ -5770,15 +5716,11 @@
               <a:rPr lang="zh-CN" altLang="en-US" dirty="0"/>
               <a:t>定义</a:t>
             </a:r>
+            <a:endParaRPr lang="zh-CN" altLang="en-US" dirty="0"/>
           </a:p>
         </p:txBody>
       </p:sp>
     </p:spTree>
-    <p:extLst>
-      <p:ext uri="{BB962C8B-B14F-4D97-AF65-F5344CB8AC3E}">
-        <p14:creationId xmlns:p14="http://schemas.microsoft.com/office/powerpoint/2010/main" val="2156941900"/>
-      </p:ext>
-    </p:extLst>
   </p:cSld>
   <p:clrMapOvr>
     <a:masterClrMapping/>
@@ -5930,11 +5872,6 @@
         </p:txBody>
       </p:sp>
     </p:spTree>
-    <p:extLst>
-      <p:ext uri="{BB962C8B-B14F-4D97-AF65-F5344CB8AC3E}">
-        <p14:creationId xmlns:p14="http://schemas.microsoft.com/office/powerpoint/2010/main" val="1810809315"/>
-      </p:ext>
-    </p:extLst>
   </p:cSld>
   <p:clrMapOvr>
     <a:masterClrMapping/>
@@ -5979,6 +5916,7 @@
               <a:rPr lang="zh-CN" altLang="en-US" dirty="0"/>
               <a:t>属性提取与关系定义</a:t>
             </a:r>
+            <a:endParaRPr lang="zh-CN" altLang="en-US" dirty="0"/>
           </a:p>
         </p:txBody>
       </p:sp>
@@ -6155,11 +6093,6 @@
         </p:txBody>
       </p:sp>
     </p:spTree>
-    <p:extLst>
-      <p:ext uri="{BB962C8B-B14F-4D97-AF65-F5344CB8AC3E}">
-        <p14:creationId xmlns:p14="http://schemas.microsoft.com/office/powerpoint/2010/main" val="3654187601"/>
-      </p:ext>
-    </p:extLst>
   </p:cSld>
   <p:clrMapOvr>
     <a:masterClrMapping/>
@@ -6204,6 +6137,7 @@
               <a:rPr lang="zh-CN" altLang="en-US" dirty="0"/>
               <a:t>属性提取与关系定义</a:t>
             </a:r>
+            <a:endParaRPr lang="zh-CN" altLang="en-US" dirty="0"/>
           </a:p>
         </p:txBody>
       </p:sp>
@@ -6253,6 +6187,7 @@
               <a:rPr lang="en-US" altLang="zh-CN" dirty="0" smtClean="0"/>
               <a:t>Andrew Mark</a:t>
             </a:r>
+            <a:endParaRPr lang="en-US" altLang="zh-CN" dirty="0" smtClean="0"/>
           </a:p>
           <a:p>
             <a:r>
@@ -6379,11 +6314,6 @@
         </p:txBody>
       </p:sp>
     </p:spTree>
-    <p:extLst>
-      <p:ext uri="{BB962C8B-B14F-4D97-AF65-F5344CB8AC3E}">
-        <p14:creationId xmlns:p14="http://schemas.microsoft.com/office/powerpoint/2010/main" val="3389183323"/>
-      </p:ext>
-    </p:extLst>
   </p:cSld>
   <p:clrMapOvr>
     <a:masterClrMapping/>
@@ -6560,11 +6490,6 @@
         </p:txBody>
       </p:sp>
     </p:spTree>
-    <p:extLst>
-      <p:ext uri="{BB962C8B-B14F-4D97-AF65-F5344CB8AC3E}">
-        <p14:creationId xmlns:p14="http://schemas.microsoft.com/office/powerpoint/2010/main" val="3801485553"/>
-      </p:ext>
-    </p:extLst>
   </p:cSld>
   <p:clrMapOvr>
     <a:masterClrMapping/>
@@ -6643,7 +6568,7 @@
           <p:nvPr/>
         </p:nvPicPr>
         <p:blipFill>
-          <a:blip r:embed="rId2">
+          <a:blip r:embed="rId1">
             <a:extLst>
               <a:ext uri="{28A0092B-C50C-407E-A947-70E740481C1C}">
                 <a14:useLocalDpi xmlns:a14="http://schemas.microsoft.com/office/drawing/2010/main" val="0"/>
@@ -6699,11 +6624,6 @@
         </p:spPr>
       </p:pic>
     </p:spTree>
-    <p:extLst>
-      <p:ext uri="{BB962C8B-B14F-4D97-AF65-F5344CB8AC3E}">
-        <p14:creationId xmlns:p14="http://schemas.microsoft.com/office/powerpoint/2010/main" val="2335199401"/>
-      </p:ext>
-    </p:extLst>
   </p:cSld>
   <p:clrMapOvr>
     <a:masterClrMapping/>
@@ -6998,6 +6918,11 @@
   </a:themeElements>
   <a:objectDefaults/>
   <a:extraClrSchemeLst/>
+  <a:extLst>
+    <a:ext uri="{05A4C25C-085E-4340-85A3-A5531E510DB2}">
+      <thm15:themeFamily xmlns:thm15="http://schemas.microsoft.com/office/thememl/2012/main" name="Office Theme" id="{62F939B6-93AF-4DB8-9C6B-D6C7DFDC589F}" vid="{4A3C46E8-61CC-4603-A589-7422A47A8E4A}"/>
+    </a:ext>
+  </a:extLst>
 </a:theme>
 </file>
 
@@ -7283,5 +7208,10 @@
   </a:themeElements>
   <a:objectDefaults/>
   <a:extraClrSchemeLst/>
+  <a:extLst>
+    <a:ext uri="{05A4C25C-085E-4340-85A3-A5531E510DB2}">
+      <thm15:themeFamily xmlns:thm15="http://schemas.microsoft.com/office/thememl/2012/main" name="Office Theme" id="{62F939B6-93AF-4DB8-9C6B-D6C7DFDC589F}" vid="{4A3C46E8-61CC-4603-A589-7422A47A8E4A}"/>
+    </a:ext>
+  </a:extLst>
 </a:theme>
 </file>